--- a/Low_Powered_AI_Lab/Subspace Learning Machine.pptx
+++ b/Low_Powered_AI_Lab/Subspace Learning Machine.pptx
@@ -5,20 +5,23 @@
     <p:sldMasterId id="2147483648" r:id="rId1"/>
   </p:sldMasterIdLst>
   <p:notesMasterIdLst>
-    <p:notesMasterId r:id="rId13"/>
+    <p:notesMasterId r:id="rId16"/>
   </p:notesMasterIdLst>
   <p:sldIdLst>
     <p:sldId id="256" r:id="rId2"/>
     <p:sldId id="258" r:id="rId3"/>
-    <p:sldId id="260" r:id="rId4"/>
-    <p:sldId id="257" r:id="rId5"/>
+    <p:sldId id="257" r:id="rId4"/>
+    <p:sldId id="267" r:id="rId5"/>
     <p:sldId id="263" r:id="rId6"/>
     <p:sldId id="261" r:id="rId7"/>
     <p:sldId id="259" r:id="rId8"/>
     <p:sldId id="262" r:id="rId9"/>
-    <p:sldId id="264" r:id="rId10"/>
-    <p:sldId id="265" r:id="rId11"/>
-    <p:sldId id="266" r:id="rId12"/>
+    <p:sldId id="268" r:id="rId10"/>
+    <p:sldId id="269" r:id="rId11"/>
+    <p:sldId id="270" r:id="rId12"/>
+    <p:sldId id="271" r:id="rId13"/>
+    <p:sldId id="265" r:id="rId14"/>
+    <p:sldId id="266" r:id="rId15"/>
   </p:sldIdLst>
   <p:sldSz cx="12192000" cy="6858000"/>
   <p:notesSz cx="6858000" cy="9144000"/>
@@ -117,7 +120,264 @@
       </a:defRPr>
     </a:lvl9pPr>
   </p:defaultTextStyle>
+  <p:extLst>
+    <p:ext uri="{EFAFB233-063F-42B5-8137-9DF3F51BA10A}">
+      <p15:sldGuideLst xmlns:p15="http://schemas.microsoft.com/office/powerpoint/2012/main"/>
+    </p:ext>
+  </p:extLst>
 </p:presentation>
+</file>
+
+<file path=ppt/changesInfos/changesInfo1.xml><?xml version="1.0" encoding="utf-8"?>
+<pc:chgInfo xmlns:a="http://schemas.openxmlformats.org/drawingml/2006/main" xmlns:r="http://schemas.openxmlformats.org/officeDocument/2006/relationships" xmlns:ac="http://schemas.microsoft.com/office/drawing/2013/main/command" xmlns:pc="http://schemas.microsoft.com/office/powerpoint/2013/main/command">
+  <pc:docChgLst>
+    <pc:chgData name="淵丞 蔡" userId="75b82c3cc9716609" providerId="LiveId" clId="{95CB4109-1276-4D09-AC74-092E5959F154}"/>
+    <pc:docChg chg="undo custSel addSld delSld modSld">
+      <pc:chgData name="淵丞 蔡" userId="75b82c3cc9716609" providerId="LiveId" clId="{95CB4109-1276-4D09-AC74-092E5959F154}" dt="2024-01-23T22:17:21.075" v="311" actId="2696"/>
+      <pc:docMkLst>
+        <pc:docMk/>
+      </pc:docMkLst>
+      <pc:sldChg chg="modSp mod">
+        <pc:chgData name="淵丞 蔡" userId="75b82c3cc9716609" providerId="LiveId" clId="{95CB4109-1276-4D09-AC74-092E5959F154}" dt="2024-01-23T21:58:24.490" v="131" actId="20577"/>
+        <pc:sldMkLst>
+          <pc:docMk/>
+          <pc:sldMk cId="2997275239" sldId="257"/>
+        </pc:sldMkLst>
+        <pc:spChg chg="mod">
+          <ac:chgData name="淵丞 蔡" userId="75b82c3cc9716609" providerId="LiveId" clId="{95CB4109-1276-4D09-AC74-092E5959F154}" dt="2024-01-23T21:58:24.490" v="131" actId="20577"/>
+          <ac:spMkLst>
+            <pc:docMk/>
+            <pc:sldMk cId="2997275239" sldId="257"/>
+            <ac:spMk id="3" creationId="{7C7EA886-967C-E208-1EFE-A96B53ABAF29}"/>
+          </ac:spMkLst>
+        </pc:spChg>
+      </pc:sldChg>
+      <pc:sldChg chg="del">
+        <pc:chgData name="淵丞 蔡" userId="75b82c3cc9716609" providerId="LiveId" clId="{95CB4109-1276-4D09-AC74-092E5959F154}" dt="2024-01-23T21:58:49.720" v="132" actId="47"/>
+        <pc:sldMkLst>
+          <pc:docMk/>
+          <pc:sldMk cId="3025130521" sldId="260"/>
+        </pc:sldMkLst>
+      </pc:sldChg>
+      <pc:sldChg chg="modSp mod">
+        <pc:chgData name="淵丞 蔡" userId="75b82c3cc9716609" providerId="LiveId" clId="{95CB4109-1276-4D09-AC74-092E5959F154}" dt="2024-01-23T22:00:41.790" v="133" actId="255"/>
+        <pc:sldMkLst>
+          <pc:docMk/>
+          <pc:sldMk cId="3032350444" sldId="261"/>
+        </pc:sldMkLst>
+        <pc:spChg chg="mod">
+          <ac:chgData name="淵丞 蔡" userId="75b82c3cc9716609" providerId="LiveId" clId="{95CB4109-1276-4D09-AC74-092E5959F154}" dt="2024-01-23T22:00:41.790" v="133" actId="255"/>
+          <ac:spMkLst>
+            <pc:docMk/>
+            <pc:sldMk cId="3032350444" sldId="261"/>
+            <ac:spMk id="14" creationId="{C97235CF-3D27-82A7-CAD4-04C7AE604D06}"/>
+          </ac:spMkLst>
+        </pc:spChg>
+      </pc:sldChg>
+      <pc:sldChg chg="modSp mod">
+        <pc:chgData name="淵丞 蔡" userId="75b82c3cc9716609" providerId="LiveId" clId="{95CB4109-1276-4D09-AC74-092E5959F154}" dt="2024-01-23T22:02:12.828" v="147" actId="20577"/>
+        <pc:sldMkLst>
+          <pc:docMk/>
+          <pc:sldMk cId="3952355000" sldId="262"/>
+        </pc:sldMkLst>
+        <pc:spChg chg="mod">
+          <ac:chgData name="淵丞 蔡" userId="75b82c3cc9716609" providerId="LiveId" clId="{95CB4109-1276-4D09-AC74-092E5959F154}" dt="2024-01-23T22:02:12.828" v="147" actId="20577"/>
+          <ac:spMkLst>
+            <pc:docMk/>
+            <pc:sldMk cId="3952355000" sldId="262"/>
+            <ac:spMk id="3" creationId="{B09D3301-D5DD-BCC2-F645-D56983F3A5E5}"/>
+          </ac:spMkLst>
+        </pc:spChg>
+      </pc:sldChg>
+      <pc:sldChg chg="del">
+        <pc:chgData name="淵丞 蔡" userId="75b82c3cc9716609" providerId="LiveId" clId="{95CB4109-1276-4D09-AC74-092E5959F154}" dt="2024-01-23T22:17:21.075" v="311" actId="2696"/>
+        <pc:sldMkLst>
+          <pc:docMk/>
+          <pc:sldMk cId="62230890" sldId="264"/>
+        </pc:sldMkLst>
+      </pc:sldChg>
+      <pc:sldChg chg="addSp delSp modSp new mod">
+        <pc:chgData name="淵丞 蔡" userId="75b82c3cc9716609" providerId="LiveId" clId="{95CB4109-1276-4D09-AC74-092E5959F154}" dt="2024-01-23T21:55:38.384" v="17" actId="1076"/>
+        <pc:sldMkLst>
+          <pc:docMk/>
+          <pc:sldMk cId="1575011112" sldId="267"/>
+        </pc:sldMkLst>
+        <pc:spChg chg="mod">
+          <ac:chgData name="淵丞 蔡" userId="75b82c3cc9716609" providerId="LiveId" clId="{95CB4109-1276-4D09-AC74-092E5959F154}" dt="2024-01-23T21:55:31.937" v="15" actId="20577"/>
+          <ac:spMkLst>
+            <pc:docMk/>
+            <pc:sldMk cId="1575011112" sldId="267"/>
+            <ac:spMk id="2" creationId="{C309595C-ED4E-46AF-4631-15825A70B8EB}"/>
+          </ac:spMkLst>
+        </pc:spChg>
+        <pc:spChg chg="del">
+          <ac:chgData name="淵丞 蔡" userId="75b82c3cc9716609" providerId="LiveId" clId="{95CB4109-1276-4D09-AC74-092E5959F154}" dt="2024-01-23T21:55:25.670" v="1" actId="22"/>
+          <ac:spMkLst>
+            <pc:docMk/>
+            <pc:sldMk cId="1575011112" sldId="267"/>
+            <ac:spMk id="3" creationId="{920365AC-8896-F05A-AA0A-6A7FA45ADB97}"/>
+          </ac:spMkLst>
+        </pc:spChg>
+        <pc:picChg chg="add mod ord">
+          <ac:chgData name="淵丞 蔡" userId="75b82c3cc9716609" providerId="LiveId" clId="{95CB4109-1276-4D09-AC74-092E5959F154}" dt="2024-01-23T21:55:38.384" v="17" actId="1076"/>
+          <ac:picMkLst>
+            <pc:docMk/>
+            <pc:sldMk cId="1575011112" sldId="267"/>
+            <ac:picMk id="5" creationId="{1EB3E95E-3999-CAAA-74AE-967DEDE6AA7A}"/>
+          </ac:picMkLst>
+        </pc:picChg>
+      </pc:sldChg>
+      <pc:sldChg chg="addSp modSp new mod">
+        <pc:chgData name="淵丞 蔡" userId="75b82c3cc9716609" providerId="LiveId" clId="{95CB4109-1276-4D09-AC74-092E5959F154}" dt="2024-01-23T22:06:27.337" v="255" actId="14100"/>
+        <pc:sldMkLst>
+          <pc:docMk/>
+          <pc:sldMk cId="1203141678" sldId="268"/>
+        </pc:sldMkLst>
+        <pc:spChg chg="mod">
+          <ac:chgData name="淵丞 蔡" userId="75b82c3cc9716609" providerId="LiveId" clId="{95CB4109-1276-4D09-AC74-092E5959F154}" dt="2024-01-23T22:05:10.517" v="172" actId="20577"/>
+          <ac:spMkLst>
+            <pc:docMk/>
+            <pc:sldMk cId="1203141678" sldId="268"/>
+            <ac:spMk id="2" creationId="{1A427174-81E1-1C3C-4CC6-D3099C3F198D}"/>
+          </ac:spMkLst>
+        </pc:spChg>
+        <pc:spChg chg="mod">
+          <ac:chgData name="淵丞 蔡" userId="75b82c3cc9716609" providerId="LiveId" clId="{95CB4109-1276-4D09-AC74-092E5959F154}" dt="2024-01-23T22:06:16.030" v="252" actId="20577"/>
+          <ac:spMkLst>
+            <pc:docMk/>
+            <pc:sldMk cId="1203141678" sldId="268"/>
+            <ac:spMk id="3" creationId="{04EE035C-1142-08D7-9541-5AFAE5767F31}"/>
+          </ac:spMkLst>
+        </pc:spChg>
+        <pc:picChg chg="add mod">
+          <ac:chgData name="淵丞 蔡" userId="75b82c3cc9716609" providerId="LiveId" clId="{95CB4109-1276-4D09-AC74-092E5959F154}" dt="2024-01-23T22:06:27.337" v="255" actId="14100"/>
+          <ac:picMkLst>
+            <pc:docMk/>
+            <pc:sldMk cId="1203141678" sldId="268"/>
+            <ac:picMk id="4" creationId="{7085D819-DAB7-65EB-D668-78C9FE821955}"/>
+          </ac:picMkLst>
+        </pc:picChg>
+      </pc:sldChg>
+      <pc:sldChg chg="addSp delSp modSp new mod">
+        <pc:chgData name="淵丞 蔡" userId="75b82c3cc9716609" providerId="LiveId" clId="{95CB4109-1276-4D09-AC74-092E5959F154}" dt="2024-01-23T22:07:23.288" v="289" actId="14100"/>
+        <pc:sldMkLst>
+          <pc:docMk/>
+          <pc:sldMk cId="663501171" sldId="269"/>
+        </pc:sldMkLst>
+        <pc:spChg chg="mod">
+          <ac:chgData name="淵丞 蔡" userId="75b82c3cc9716609" providerId="LiveId" clId="{95CB4109-1276-4D09-AC74-092E5959F154}" dt="2024-01-23T22:07:15.041" v="286" actId="20577"/>
+          <ac:spMkLst>
+            <pc:docMk/>
+            <pc:sldMk cId="663501171" sldId="269"/>
+            <ac:spMk id="2" creationId="{15EF30F6-3B58-C506-7E33-6A02907D2E2F}"/>
+          </ac:spMkLst>
+        </pc:spChg>
+        <pc:spChg chg="del">
+          <ac:chgData name="淵丞 蔡" userId="75b82c3cc9716609" providerId="LiveId" clId="{95CB4109-1276-4D09-AC74-092E5959F154}" dt="2024-01-23T22:07:16.993" v="287"/>
+          <ac:spMkLst>
+            <pc:docMk/>
+            <pc:sldMk cId="663501171" sldId="269"/>
+            <ac:spMk id="3" creationId="{A3137BA8-FB70-3403-DC00-3CFE11087B58}"/>
+          </ac:spMkLst>
+        </pc:spChg>
+        <pc:picChg chg="add mod">
+          <ac:chgData name="淵丞 蔡" userId="75b82c3cc9716609" providerId="LiveId" clId="{95CB4109-1276-4D09-AC74-092E5959F154}" dt="2024-01-23T22:07:23.288" v="289" actId="14100"/>
+          <ac:picMkLst>
+            <pc:docMk/>
+            <pc:sldMk cId="663501171" sldId="269"/>
+            <ac:picMk id="4" creationId="{8433DEF4-9E56-6E39-7843-6C14DFB60516}"/>
+          </ac:picMkLst>
+        </pc:picChg>
+      </pc:sldChg>
+      <pc:sldChg chg="addSp delSp modSp add mod">
+        <pc:chgData name="淵丞 蔡" userId="75b82c3cc9716609" providerId="LiveId" clId="{95CB4109-1276-4D09-AC74-092E5959F154}" dt="2024-01-23T22:15:22.193" v="299" actId="1076"/>
+        <pc:sldMkLst>
+          <pc:docMk/>
+          <pc:sldMk cId="2633788886" sldId="270"/>
+        </pc:sldMkLst>
+        <pc:spChg chg="add del mod">
+          <ac:chgData name="淵丞 蔡" userId="75b82c3cc9716609" providerId="LiveId" clId="{95CB4109-1276-4D09-AC74-092E5959F154}" dt="2024-01-23T22:15:13.343" v="294"/>
+          <ac:spMkLst>
+            <pc:docMk/>
+            <pc:sldMk cId="2633788886" sldId="270"/>
+            <ac:spMk id="5" creationId="{BF40028A-9F99-05C5-DDB3-6263C206C82E}"/>
+          </ac:spMkLst>
+        </pc:spChg>
+        <pc:picChg chg="del">
+          <ac:chgData name="淵丞 蔡" userId="75b82c3cc9716609" providerId="LiveId" clId="{95CB4109-1276-4D09-AC74-092E5959F154}" dt="2024-01-23T22:15:04.750" v="291" actId="478"/>
+          <ac:picMkLst>
+            <pc:docMk/>
+            <pc:sldMk cId="2633788886" sldId="270"/>
+            <ac:picMk id="4" creationId="{8433DEF4-9E56-6E39-7843-6C14DFB60516}"/>
+          </ac:picMkLst>
+        </pc:picChg>
+        <pc:picChg chg="add del mod">
+          <ac:chgData name="淵丞 蔡" userId="75b82c3cc9716609" providerId="LiveId" clId="{95CB4109-1276-4D09-AC74-092E5959F154}" dt="2024-01-23T22:15:14.908" v="295" actId="478"/>
+          <ac:picMkLst>
+            <pc:docMk/>
+            <pc:sldMk cId="2633788886" sldId="270"/>
+            <ac:picMk id="6" creationId="{C6A558BF-4E33-BFAA-6B49-044B7AAD5F45}"/>
+          </ac:picMkLst>
+        </pc:picChg>
+        <pc:picChg chg="add mod">
+          <ac:chgData name="淵丞 蔡" userId="75b82c3cc9716609" providerId="LiveId" clId="{95CB4109-1276-4D09-AC74-092E5959F154}" dt="2024-01-23T22:15:22.193" v="299" actId="1076"/>
+          <ac:picMkLst>
+            <pc:docMk/>
+            <pc:sldMk cId="2633788886" sldId="270"/>
+            <ac:picMk id="7" creationId="{E96E72DE-3C49-C3C9-0AED-21B87BB0B215}"/>
+          </ac:picMkLst>
+        </pc:picChg>
+      </pc:sldChg>
+      <pc:sldChg chg="addSp delSp modSp add mod">
+        <pc:chgData name="淵丞 蔡" userId="75b82c3cc9716609" providerId="LiveId" clId="{95CB4109-1276-4D09-AC74-092E5959F154}" dt="2024-01-23T22:16:28.814" v="310" actId="1076"/>
+        <pc:sldMkLst>
+          <pc:docMk/>
+          <pc:sldMk cId="4120034016" sldId="271"/>
+        </pc:sldMkLst>
+        <pc:spChg chg="add del mod">
+          <ac:chgData name="淵丞 蔡" userId="75b82c3cc9716609" providerId="LiveId" clId="{95CB4109-1276-4D09-AC74-092E5959F154}" dt="2024-01-23T22:16:04.888" v="303" actId="22"/>
+          <ac:spMkLst>
+            <pc:docMk/>
+            <pc:sldMk cId="4120034016" sldId="271"/>
+            <ac:spMk id="4" creationId="{6E4E27BF-0E8B-7B41-D18B-1042C930155E}"/>
+          </ac:spMkLst>
+        </pc:spChg>
+        <pc:spChg chg="add del mod">
+          <ac:chgData name="淵丞 蔡" userId="75b82c3cc9716609" providerId="LiveId" clId="{95CB4109-1276-4D09-AC74-092E5959F154}" dt="2024-01-23T22:16:09.749" v="305" actId="478"/>
+          <ac:spMkLst>
+            <pc:docMk/>
+            <pc:sldMk cId="4120034016" sldId="271"/>
+            <ac:spMk id="11" creationId="{F70911FB-8A29-D14A-DADA-ACB834871421}"/>
+          </ac:spMkLst>
+        </pc:spChg>
+        <pc:picChg chg="add del mod">
+          <ac:chgData name="淵丞 蔡" userId="75b82c3cc9716609" providerId="LiveId" clId="{95CB4109-1276-4D09-AC74-092E5959F154}" dt="2024-01-23T22:16:13.419" v="307" actId="478"/>
+          <ac:picMkLst>
+            <pc:docMk/>
+            <pc:sldMk cId="4120034016" sldId="271"/>
+            <ac:picMk id="6" creationId="{73DCF0E9-8EEF-1288-E370-68117ABB766A}"/>
+          </ac:picMkLst>
+        </pc:picChg>
+        <pc:picChg chg="del">
+          <ac:chgData name="淵丞 蔡" userId="75b82c3cc9716609" providerId="LiveId" clId="{95CB4109-1276-4D09-AC74-092E5959F154}" dt="2024-01-23T22:16:02.765" v="301" actId="478"/>
+          <ac:picMkLst>
+            <pc:docMk/>
+            <pc:sldMk cId="4120034016" sldId="271"/>
+            <ac:picMk id="7" creationId="{E96E72DE-3C49-C3C9-0AED-21B87BB0B215}"/>
+          </ac:picMkLst>
+        </pc:picChg>
+        <pc:picChg chg="add del mod ord">
+          <ac:chgData name="淵丞 蔡" userId="75b82c3cc9716609" providerId="LiveId" clId="{95CB4109-1276-4D09-AC74-092E5959F154}" dt="2024-01-23T22:16:28.814" v="310" actId="1076"/>
+          <ac:picMkLst>
+            <pc:docMk/>
+            <pc:sldMk cId="4120034016" sldId="271"/>
+            <ac:picMk id="9" creationId="{89199F43-97B5-9BCF-CD50-9C1B78A6B8CB}"/>
+          </ac:picMkLst>
+        </pc:picChg>
+      </pc:sldChg>
+    </pc:docChg>
+  </pc:docChgLst>
+</pc:chgInfo>
 </file>
 
 <file path=ppt/notesMasters/notesMaster1.xml><?xml version="1.0" encoding="utf-8"?>
@@ -202,7 +462,7 @@
           <a:p>
             <a:fld id="{91AE8771-4167-4907-8821-EC861BE5CB99}" type="datetimeFigureOut">
               <a:rPr lang="zh-TW" altLang="en-US" smtClean="0"/>
-              <a:t>2023/11/17</a:t>
+              <a:t>2024/1/24</a:t>
             </a:fld>
             <a:endParaRPr lang="zh-TW" altLang="en-US"/>
           </a:p>
@@ -469,94 +729,6 @@
 </p:notesMaster>
 </file>
 
-<file path=ppt/notesSlides/notesSlide1.xml><?xml version="1.0" encoding="utf-8"?>
-<p:notes xmlns:a="http://schemas.openxmlformats.org/drawingml/2006/main" xmlns:r="http://schemas.openxmlformats.org/officeDocument/2006/relationships" xmlns:p="http://schemas.openxmlformats.org/presentationml/2006/main">
-  <p:cSld>
-    <p:spTree>
-      <p:nvGrpSpPr>
-        <p:cNvPr id="1" name=""/>
-        <p:cNvGrpSpPr/>
-        <p:nvPr/>
-      </p:nvGrpSpPr>
-      <p:grpSpPr>
-        <a:xfrm>
-          <a:off x="0" y="0"/>
-          <a:ext cx="0" cy="0"/>
-          <a:chOff x="0" y="0"/>
-          <a:chExt cx="0" cy="0"/>
-        </a:xfrm>
-      </p:grpSpPr>
-      <p:sp>
-        <p:nvSpPr>
-          <p:cNvPr id="2" name="投影片影像版面配置區 1"/>
-          <p:cNvSpPr>
-            <a:spLocks noGrp="1" noRot="1" noChangeAspect="1"/>
-          </p:cNvSpPr>
-          <p:nvPr>
-            <p:ph type="sldImg"/>
-          </p:nvPr>
-        </p:nvSpPr>
-        <p:spPr/>
-      </p:sp>
-      <p:sp>
-        <p:nvSpPr>
-          <p:cNvPr id="3" name="備忘稿版面配置區 2"/>
-          <p:cNvSpPr>
-            <a:spLocks noGrp="1"/>
-          </p:cNvSpPr>
-          <p:nvPr>
-            <p:ph type="body" idx="1"/>
-          </p:nvPr>
-        </p:nvSpPr>
-        <p:spPr/>
-        <p:txBody>
-          <a:bodyPr/>
-          <a:lstStyle/>
-          <a:p>
-            <a:r>
-              <a:rPr lang="en-US" altLang="zh-TW" dirty="0"/>
-              <a:t>Fig. 2. Illustration of the probabilistic selection process, where the envelop function Ad that provides a bound on the magnitude of coefficients a 0 d in the orientation vector. The dimensions with black dots are selected dimensions, and dots in one vertical line are integers for selection for each dimension. In this example, the selected dimensions are a 0 1 , a 0 2 , a 0 4 , a 0 5 and a 0 6 . For each trial, we select one black dot per vertical line to form an orientation vector. The search can be done exhaustively or randomly with the uniform distribution.</a:t>
-            </a:r>
-            <a:endParaRPr lang="zh-TW" altLang="en-US" dirty="0"/>
-          </a:p>
-        </p:txBody>
-      </p:sp>
-      <p:sp>
-        <p:nvSpPr>
-          <p:cNvPr id="4" name="投影片編號版面配置區 3"/>
-          <p:cNvSpPr>
-            <a:spLocks noGrp="1"/>
-          </p:cNvSpPr>
-          <p:nvPr>
-            <p:ph type="sldNum" sz="quarter" idx="5"/>
-          </p:nvPr>
-        </p:nvSpPr>
-        <p:spPr/>
-        <p:txBody>
-          <a:bodyPr/>
-          <a:lstStyle/>
-          <a:p>
-            <a:fld id="{312ACA8B-4C02-4CE6-8830-8516F0851CBA}" type="slidenum">
-              <a:rPr lang="zh-TW" altLang="en-US" smtClean="0"/>
-              <a:t>9</a:t>
-            </a:fld>
-            <a:endParaRPr lang="zh-TW" altLang="en-US"/>
-          </a:p>
-        </p:txBody>
-      </p:sp>
-    </p:spTree>
-    <p:extLst>
-      <p:ext uri="{BB962C8B-B14F-4D97-AF65-F5344CB8AC3E}">
-        <p14:creationId xmlns:p14="http://schemas.microsoft.com/office/powerpoint/2010/main" val="1293862088"/>
-      </p:ext>
-    </p:extLst>
-  </p:cSld>
-  <p:clrMapOvr>
-    <a:masterClrMapping/>
-  </p:clrMapOvr>
-</p:notes>
-</file>
-
 <file path=ppt/slideLayouts/slideLayout1.xml><?xml version="1.0" encoding="utf-8"?>
 <p:sldLayout xmlns:a="http://schemas.openxmlformats.org/drawingml/2006/main" xmlns:r="http://schemas.openxmlformats.org/officeDocument/2006/relationships" xmlns:p="http://schemas.openxmlformats.org/presentationml/2006/main" type="title" preserve="1">
   <p:cSld name="標題投影片">
@@ -704,7 +876,7 @@
           <a:p>
             <a:fld id="{DBF0049F-A7EC-4432-9421-8AFE38B27A05}" type="datetimeFigureOut">
               <a:rPr lang="zh-TW" altLang="en-US" smtClean="0"/>
-              <a:t>2023/11/17</a:t>
+              <a:t>2024/1/24</a:t>
             </a:fld>
             <a:endParaRPr lang="zh-TW" altLang="en-US"/>
           </a:p>
@@ -902,7 +1074,7 @@
           <a:p>
             <a:fld id="{DBF0049F-A7EC-4432-9421-8AFE38B27A05}" type="datetimeFigureOut">
               <a:rPr lang="zh-TW" altLang="en-US" smtClean="0"/>
-              <a:t>2023/11/17</a:t>
+              <a:t>2024/1/24</a:t>
             </a:fld>
             <a:endParaRPr lang="zh-TW" altLang="en-US"/>
           </a:p>
@@ -1110,7 +1282,7 @@
           <a:p>
             <a:fld id="{DBF0049F-A7EC-4432-9421-8AFE38B27A05}" type="datetimeFigureOut">
               <a:rPr lang="zh-TW" altLang="en-US" smtClean="0"/>
-              <a:t>2023/11/17</a:t>
+              <a:t>2024/1/24</a:t>
             </a:fld>
             <a:endParaRPr lang="zh-TW" altLang="en-US"/>
           </a:p>
@@ -1308,7 +1480,7 @@
           <a:p>
             <a:fld id="{DBF0049F-A7EC-4432-9421-8AFE38B27A05}" type="datetimeFigureOut">
               <a:rPr lang="zh-TW" altLang="en-US" smtClean="0"/>
-              <a:t>2023/11/17</a:t>
+              <a:t>2024/1/24</a:t>
             </a:fld>
             <a:endParaRPr lang="zh-TW" altLang="en-US"/>
           </a:p>
@@ -1583,7 +1755,7 @@
           <a:p>
             <a:fld id="{DBF0049F-A7EC-4432-9421-8AFE38B27A05}" type="datetimeFigureOut">
               <a:rPr lang="zh-TW" altLang="en-US" smtClean="0"/>
-              <a:t>2023/11/17</a:t>
+              <a:t>2024/1/24</a:t>
             </a:fld>
             <a:endParaRPr lang="zh-TW" altLang="en-US"/>
           </a:p>
@@ -1848,7 +2020,7 @@
           <a:p>
             <a:fld id="{DBF0049F-A7EC-4432-9421-8AFE38B27A05}" type="datetimeFigureOut">
               <a:rPr lang="zh-TW" altLang="en-US" smtClean="0"/>
-              <a:t>2023/11/17</a:t>
+              <a:t>2024/1/24</a:t>
             </a:fld>
             <a:endParaRPr lang="zh-TW" altLang="en-US"/>
           </a:p>
@@ -2260,7 +2432,7 @@
           <a:p>
             <a:fld id="{DBF0049F-A7EC-4432-9421-8AFE38B27A05}" type="datetimeFigureOut">
               <a:rPr lang="zh-TW" altLang="en-US" smtClean="0"/>
-              <a:t>2023/11/17</a:t>
+              <a:t>2024/1/24</a:t>
             </a:fld>
             <a:endParaRPr lang="zh-TW" altLang="en-US"/>
           </a:p>
@@ -2401,7 +2573,7 @@
           <a:p>
             <a:fld id="{DBF0049F-A7EC-4432-9421-8AFE38B27A05}" type="datetimeFigureOut">
               <a:rPr lang="zh-TW" altLang="en-US" smtClean="0"/>
-              <a:t>2023/11/17</a:t>
+              <a:t>2024/1/24</a:t>
             </a:fld>
             <a:endParaRPr lang="zh-TW" altLang="en-US"/>
           </a:p>
@@ -2514,7 +2686,7 @@
           <a:p>
             <a:fld id="{DBF0049F-A7EC-4432-9421-8AFE38B27A05}" type="datetimeFigureOut">
               <a:rPr lang="zh-TW" altLang="en-US" smtClean="0"/>
-              <a:t>2023/11/17</a:t>
+              <a:t>2024/1/24</a:t>
             </a:fld>
             <a:endParaRPr lang="zh-TW" altLang="en-US"/>
           </a:p>
@@ -2825,7 +2997,7 @@
           <a:p>
             <a:fld id="{DBF0049F-A7EC-4432-9421-8AFE38B27A05}" type="datetimeFigureOut">
               <a:rPr lang="zh-TW" altLang="en-US" smtClean="0"/>
-              <a:t>2023/11/17</a:t>
+              <a:t>2024/1/24</a:t>
             </a:fld>
             <a:endParaRPr lang="zh-TW" altLang="en-US"/>
           </a:p>
@@ -3113,7 +3285,7 @@
           <a:p>
             <a:fld id="{DBF0049F-A7EC-4432-9421-8AFE38B27A05}" type="datetimeFigureOut">
               <a:rPr lang="zh-TW" altLang="en-US" smtClean="0"/>
-              <a:t>2023/11/17</a:t>
+              <a:t>2024/1/24</a:t>
             </a:fld>
             <a:endParaRPr lang="zh-TW" altLang="en-US"/>
           </a:p>
@@ -3354,7 +3526,7 @@
           <a:p>
             <a:fld id="{DBF0049F-A7EC-4432-9421-8AFE38B27A05}" type="datetimeFigureOut">
               <a:rPr lang="zh-TW" altLang="en-US" smtClean="0"/>
-              <a:t>2023/11/17</a:t>
+              <a:t>2024/1/24</a:t>
             </a:fld>
             <a:endParaRPr lang="zh-TW" altLang="en-US"/>
           </a:p>
@@ -3860,6 +4032,276 @@
           <p:cNvPr id="2" name="標題 1">
             <a:extLst>
               <a:ext uri="{FF2B5EF4-FFF2-40B4-BE49-F238E27FC236}">
+                <a16:creationId xmlns:a16="http://schemas.microsoft.com/office/drawing/2014/main" id="{15EF30F6-3B58-C506-7E33-6A02907D2E2F}"/>
+              </a:ext>
+            </a:extLst>
+          </p:cNvPr>
+          <p:cNvSpPr>
+            <a:spLocks noGrp="1"/>
+          </p:cNvSpPr>
+          <p:nvPr>
+            <p:ph type="title"/>
+          </p:nvPr>
+        </p:nvSpPr>
+        <p:spPr/>
+        <p:txBody>
+          <a:bodyPr/>
+          <a:lstStyle/>
+          <a:p>
+            <a:r>
+              <a:rPr lang="en-US" altLang="zh-TW" dirty="0"/>
+              <a:t>Probabilistic Selection</a:t>
+            </a:r>
+            <a:endParaRPr lang="zh-TW" altLang="en-US" dirty="0"/>
+          </a:p>
+        </p:txBody>
+      </p:sp>
+      <p:pic>
+        <p:nvPicPr>
+          <p:cNvPr id="4" name="內容版面配置區 3">
+            <a:extLst>
+              <a:ext uri="{FF2B5EF4-FFF2-40B4-BE49-F238E27FC236}">
+                <a16:creationId xmlns:a16="http://schemas.microsoft.com/office/drawing/2014/main" id="{8433DEF4-9E56-6E39-7843-6C14DFB60516}"/>
+              </a:ext>
+            </a:extLst>
+          </p:cNvPr>
+          <p:cNvPicPr>
+            <a:picLocks noGrp="1" noChangeAspect="1"/>
+          </p:cNvPicPr>
+          <p:nvPr>
+            <p:ph idx="1"/>
+          </p:nvPr>
+        </p:nvPicPr>
+        <p:blipFill>
+          <a:blip r:embed="rId2"/>
+          <a:stretch>
+            <a:fillRect/>
+          </a:stretch>
+        </p:blipFill>
+        <p:spPr>
+          <a:xfrm>
+            <a:off x="838200" y="1690687"/>
+            <a:ext cx="7875494" cy="4287671"/>
+          </a:xfrm>
+          <a:prstGeom prst="rect">
+            <a:avLst/>
+          </a:prstGeom>
+        </p:spPr>
+      </p:pic>
+    </p:spTree>
+    <p:extLst>
+      <p:ext uri="{BB962C8B-B14F-4D97-AF65-F5344CB8AC3E}">
+        <p14:creationId xmlns:p14="http://schemas.microsoft.com/office/powerpoint/2010/main" val="663501171"/>
+      </p:ext>
+    </p:extLst>
+  </p:cSld>
+  <p:clrMapOvr>
+    <a:masterClrMapping/>
+  </p:clrMapOvr>
+</p:sld>
+</file>
+
+<file path=ppt/slides/slide11.xml><?xml version="1.0" encoding="utf-8"?>
+<p:sld xmlns:a="http://schemas.openxmlformats.org/drawingml/2006/main" xmlns:r="http://schemas.openxmlformats.org/officeDocument/2006/relationships" xmlns:p="http://schemas.openxmlformats.org/presentationml/2006/main">
+  <p:cSld>
+    <p:spTree>
+      <p:nvGrpSpPr>
+        <p:cNvPr id="1" name=""/>
+        <p:cNvGrpSpPr/>
+        <p:nvPr/>
+      </p:nvGrpSpPr>
+      <p:grpSpPr>
+        <a:xfrm>
+          <a:off x="0" y="0"/>
+          <a:ext cx="0" cy="0"/>
+          <a:chOff x="0" y="0"/>
+          <a:chExt cx="0" cy="0"/>
+        </a:xfrm>
+      </p:grpSpPr>
+      <p:sp>
+        <p:nvSpPr>
+          <p:cNvPr id="2" name="標題 1">
+            <a:extLst>
+              <a:ext uri="{FF2B5EF4-FFF2-40B4-BE49-F238E27FC236}">
+                <a16:creationId xmlns:a16="http://schemas.microsoft.com/office/drawing/2014/main" id="{15EF30F6-3B58-C506-7E33-6A02907D2E2F}"/>
+              </a:ext>
+            </a:extLst>
+          </p:cNvPr>
+          <p:cNvSpPr>
+            <a:spLocks noGrp="1"/>
+          </p:cNvSpPr>
+          <p:nvPr>
+            <p:ph type="title"/>
+          </p:nvPr>
+        </p:nvSpPr>
+        <p:spPr/>
+        <p:txBody>
+          <a:bodyPr/>
+          <a:lstStyle/>
+          <a:p>
+            <a:r>
+              <a:rPr lang="en-US" altLang="zh-TW" dirty="0"/>
+              <a:t>Probabilistic Selection</a:t>
+            </a:r>
+            <a:endParaRPr lang="zh-TW" altLang="en-US" dirty="0"/>
+          </a:p>
+        </p:txBody>
+      </p:sp>
+      <p:pic>
+        <p:nvPicPr>
+          <p:cNvPr id="7" name="內容版面配置區 6">
+            <a:extLst>
+              <a:ext uri="{FF2B5EF4-FFF2-40B4-BE49-F238E27FC236}">
+                <a16:creationId xmlns:a16="http://schemas.microsoft.com/office/drawing/2014/main" id="{E96E72DE-3C49-C3C9-0AED-21B87BB0B215}"/>
+              </a:ext>
+            </a:extLst>
+          </p:cNvPr>
+          <p:cNvPicPr>
+            <a:picLocks noGrp="1" noChangeAspect="1"/>
+          </p:cNvPicPr>
+          <p:nvPr>
+            <p:ph idx="1"/>
+          </p:nvPr>
+        </p:nvPicPr>
+        <p:blipFill>
+          <a:blip r:embed="rId2"/>
+          <a:stretch>
+            <a:fillRect/>
+          </a:stretch>
+        </p:blipFill>
+        <p:spPr>
+          <a:xfrm>
+            <a:off x="838200" y="2583573"/>
+            <a:ext cx="9849405" cy="1956154"/>
+          </a:xfrm>
+          <a:prstGeom prst="rect">
+            <a:avLst/>
+          </a:prstGeom>
+        </p:spPr>
+      </p:pic>
+    </p:spTree>
+    <p:extLst>
+      <p:ext uri="{BB962C8B-B14F-4D97-AF65-F5344CB8AC3E}">
+        <p14:creationId xmlns:p14="http://schemas.microsoft.com/office/powerpoint/2010/main" val="2633788886"/>
+      </p:ext>
+    </p:extLst>
+  </p:cSld>
+  <p:clrMapOvr>
+    <a:masterClrMapping/>
+  </p:clrMapOvr>
+</p:sld>
+</file>
+
+<file path=ppt/slides/slide12.xml><?xml version="1.0" encoding="utf-8"?>
+<p:sld xmlns:a="http://schemas.openxmlformats.org/drawingml/2006/main" xmlns:r="http://schemas.openxmlformats.org/officeDocument/2006/relationships" xmlns:p="http://schemas.openxmlformats.org/presentationml/2006/main">
+  <p:cSld>
+    <p:spTree>
+      <p:nvGrpSpPr>
+        <p:cNvPr id="1" name=""/>
+        <p:cNvGrpSpPr/>
+        <p:nvPr/>
+      </p:nvGrpSpPr>
+      <p:grpSpPr>
+        <a:xfrm>
+          <a:off x="0" y="0"/>
+          <a:ext cx="0" cy="0"/>
+          <a:chOff x="0" y="0"/>
+          <a:chExt cx="0" cy="0"/>
+        </a:xfrm>
+      </p:grpSpPr>
+      <p:sp>
+        <p:nvSpPr>
+          <p:cNvPr id="2" name="標題 1">
+            <a:extLst>
+              <a:ext uri="{FF2B5EF4-FFF2-40B4-BE49-F238E27FC236}">
+                <a16:creationId xmlns:a16="http://schemas.microsoft.com/office/drawing/2014/main" id="{15EF30F6-3B58-C506-7E33-6A02907D2E2F}"/>
+              </a:ext>
+            </a:extLst>
+          </p:cNvPr>
+          <p:cNvSpPr>
+            <a:spLocks noGrp="1"/>
+          </p:cNvSpPr>
+          <p:nvPr>
+            <p:ph type="title"/>
+          </p:nvPr>
+        </p:nvSpPr>
+        <p:spPr/>
+        <p:txBody>
+          <a:bodyPr/>
+          <a:lstStyle/>
+          <a:p>
+            <a:r>
+              <a:rPr lang="en-US" altLang="zh-TW" dirty="0"/>
+              <a:t>Probabilistic Selection</a:t>
+            </a:r>
+            <a:endParaRPr lang="zh-TW" altLang="en-US" dirty="0"/>
+          </a:p>
+        </p:txBody>
+      </p:sp>
+      <p:pic>
+        <p:nvPicPr>
+          <p:cNvPr id="9" name="內容版面配置區 8">
+            <a:extLst>
+              <a:ext uri="{FF2B5EF4-FFF2-40B4-BE49-F238E27FC236}">
+                <a16:creationId xmlns:a16="http://schemas.microsoft.com/office/drawing/2014/main" id="{89199F43-97B5-9BCF-CD50-9C1B78A6B8CB}"/>
+              </a:ext>
+            </a:extLst>
+          </p:cNvPr>
+          <p:cNvPicPr>
+            <a:picLocks noGrp="1" noChangeAspect="1"/>
+          </p:cNvPicPr>
+          <p:nvPr>
+            <p:ph idx="1"/>
+          </p:nvPr>
+        </p:nvPicPr>
+        <p:blipFill>
+          <a:blip r:embed="rId2"/>
+          <a:stretch>
+            <a:fillRect/>
+          </a:stretch>
+        </p:blipFill>
+        <p:spPr>
+          <a:xfrm>
+            <a:off x="3207123" y="1535169"/>
+            <a:ext cx="5777753" cy="5159812"/>
+          </a:xfrm>
+        </p:spPr>
+      </p:pic>
+    </p:spTree>
+    <p:extLst>
+      <p:ext uri="{BB962C8B-B14F-4D97-AF65-F5344CB8AC3E}">
+        <p14:creationId xmlns:p14="http://schemas.microsoft.com/office/powerpoint/2010/main" val="4120034016"/>
+      </p:ext>
+    </p:extLst>
+  </p:cSld>
+  <p:clrMapOvr>
+    <a:masterClrMapping/>
+  </p:clrMapOvr>
+</p:sld>
+</file>
+
+<file path=ppt/slides/slide13.xml><?xml version="1.0" encoding="utf-8"?>
+<p:sld xmlns:a="http://schemas.openxmlformats.org/drawingml/2006/main" xmlns:r="http://schemas.openxmlformats.org/officeDocument/2006/relationships" xmlns:p="http://schemas.openxmlformats.org/presentationml/2006/main">
+  <p:cSld>
+    <p:spTree>
+      <p:nvGrpSpPr>
+        <p:cNvPr id="1" name=""/>
+        <p:cNvGrpSpPr/>
+        <p:nvPr/>
+      </p:nvGrpSpPr>
+      <p:grpSpPr>
+        <a:xfrm>
+          <a:off x="0" y="0"/>
+          <a:ext cx="0" cy="0"/>
+          <a:chOff x="0" y="0"/>
+          <a:chExt cx="0" cy="0"/>
+        </a:xfrm>
+      </p:grpSpPr>
+      <p:sp>
+        <p:nvSpPr>
+          <p:cNvPr id="2" name="標題 1">
+            <a:extLst>
+              <a:ext uri="{FF2B5EF4-FFF2-40B4-BE49-F238E27FC236}">
                 <a16:creationId xmlns:a16="http://schemas.microsoft.com/office/drawing/2014/main" id="{D4A03F9C-C541-DE51-CCB0-C6DEEEC960BC}"/>
               </a:ext>
             </a:extLst>
@@ -4017,7 +4459,7 @@
 </p:sld>
 </file>
 
-<file path=ppt/slides/slide11.xml><?xml version="1.0" encoding="utf-8"?>
+<file path=ppt/slides/slide14.xml><?xml version="1.0" encoding="utf-8"?>
 <p:sld xmlns:a="http://schemas.openxmlformats.org/drawingml/2006/main" xmlns:r="http://schemas.openxmlformats.org/officeDocument/2006/relationships" xmlns:p="http://schemas.openxmlformats.org/presentationml/2006/main">
   <p:cSld>
     <p:spTree>
@@ -4318,7 +4760,7 @@
           <p:cNvPr id="2" name="標題 1">
             <a:extLst>
               <a:ext uri="{FF2B5EF4-FFF2-40B4-BE49-F238E27FC236}">
-                <a16:creationId xmlns:a16="http://schemas.microsoft.com/office/drawing/2014/main" id="{6E52DEA1-FABF-DA98-8779-5C060703571D}"/>
+                <a16:creationId xmlns:a16="http://schemas.microsoft.com/office/drawing/2014/main" id="{BA03790F-9501-DA73-C68C-5BCCDB3612C3}"/>
               </a:ext>
             </a:extLst>
           </p:cNvPr>
@@ -4334,46 +4776,79 @@
           <a:bodyPr/>
           <a:lstStyle/>
           <a:p>
-            <a:endParaRPr lang="zh-TW" altLang="en-US"/>
-          </a:p>
-        </p:txBody>
-      </p:sp>
-      <p:pic>
-        <p:nvPicPr>
-          <p:cNvPr id="4" name="內容版面配置區 3">
-            <a:extLst>
-              <a:ext uri="{FF2B5EF4-FFF2-40B4-BE49-F238E27FC236}">
-                <a16:creationId xmlns:a16="http://schemas.microsoft.com/office/drawing/2014/main" id="{E529D70C-E01B-F060-EBCA-17D75ACB2AB3}"/>
-              </a:ext>
-            </a:extLst>
-          </p:cNvPr>
-          <p:cNvPicPr>
-            <a:picLocks noGrp="1" noChangeAspect="1"/>
-          </p:cNvPicPr>
+            <a:r>
+              <a:rPr lang="en-US" altLang="zh-TW" dirty="0"/>
+              <a:t>Methodology</a:t>
+            </a:r>
+            <a:endParaRPr lang="zh-TW" altLang="en-US" dirty="0"/>
+          </a:p>
+        </p:txBody>
+      </p:sp>
+      <p:sp>
+        <p:nvSpPr>
+          <p:cNvPr id="3" name="內容版面配置區 2">
+            <a:extLst>
+              <a:ext uri="{FF2B5EF4-FFF2-40B4-BE49-F238E27FC236}">
+                <a16:creationId xmlns:a16="http://schemas.microsoft.com/office/drawing/2014/main" id="{7C7EA886-967C-E208-1EFE-A96B53ABAF29}"/>
+              </a:ext>
+            </a:extLst>
+          </p:cNvPr>
+          <p:cNvSpPr>
+            <a:spLocks noGrp="1"/>
+          </p:cNvSpPr>
           <p:nvPr>
             <p:ph idx="1"/>
           </p:nvPr>
-        </p:nvPicPr>
-        <p:blipFill>
-          <a:blip r:embed="rId2"/>
-          <a:stretch>
-            <a:fillRect/>
-          </a:stretch>
-        </p:blipFill>
-        <p:spPr>
-          <a:xfrm>
-            <a:off x="0" y="-32216"/>
-            <a:ext cx="12215779" cy="6890216"/>
-          </a:xfrm>
-          <a:prstGeom prst="rect">
-            <a:avLst/>
-          </a:prstGeom>
-        </p:spPr>
-      </p:pic>
+        </p:nvSpPr>
+        <p:spPr/>
+        <p:txBody>
+          <a:bodyPr/>
+          <a:lstStyle/>
+          <a:p>
+            <a:r>
+              <a:rPr lang="en-US" altLang="zh-TW" dirty="0"/>
+              <a:t>Use the probabilistic projections of features to yield 1D subspaces </a:t>
+            </a:r>
+          </a:p>
+          <a:p>
+            <a:r>
+              <a:rPr lang="en-US" altLang="zh-TW" dirty="0"/>
+              <a:t>Find the optimal partition for each of them</a:t>
+            </a:r>
+          </a:p>
+          <a:p>
+            <a:r>
+              <a:rPr lang="en-US" altLang="zh-TW" dirty="0"/>
+              <a:t>Choose some good partitions </a:t>
+            </a:r>
+          </a:p>
+          <a:p>
+            <a:r>
+              <a:rPr lang="en-US" altLang="zh-TW" dirty="0"/>
+              <a:t>Assign the original feature space as the root node and the subspaces as the child nodes</a:t>
+            </a:r>
+          </a:p>
+          <a:p>
+            <a:r>
+              <a:rPr lang="en-US" altLang="zh-TW" dirty="0"/>
+              <a:t>Recursively apply partitioning process to the child nodes</a:t>
+            </a:r>
+          </a:p>
+          <a:p>
+            <a:r>
+              <a:rPr lang="en-US" altLang="zh-TW" dirty="0"/>
+              <a:t>Ensemble learning (SLM forest, SLM boost)</a:t>
+            </a:r>
+          </a:p>
+          <a:p>
+            <a:endParaRPr lang="zh-TW" altLang="en-US" dirty="0"/>
+          </a:p>
+        </p:txBody>
+      </p:sp>
     </p:spTree>
     <p:extLst>
       <p:ext uri="{BB962C8B-B14F-4D97-AF65-F5344CB8AC3E}">
-        <p14:creationId xmlns:p14="http://schemas.microsoft.com/office/powerpoint/2010/main" val="3025130521"/>
+        <p14:creationId xmlns:p14="http://schemas.microsoft.com/office/powerpoint/2010/main" val="2997275239"/>
       </p:ext>
     </p:extLst>
   </p:cSld>
@@ -4405,7 +4880,7 @@
           <p:cNvPr id="2" name="標題 1">
             <a:extLst>
               <a:ext uri="{FF2B5EF4-FFF2-40B4-BE49-F238E27FC236}">
-                <a16:creationId xmlns:a16="http://schemas.microsoft.com/office/drawing/2014/main" id="{BA03790F-9501-DA73-C68C-5BCCDB3612C3}"/>
+                <a16:creationId xmlns:a16="http://schemas.microsoft.com/office/drawing/2014/main" id="{C309595C-ED4E-46AF-4631-15825A70B8EB}"/>
               </a:ext>
             </a:extLst>
           </p:cNvPr>
@@ -4429,65 +4904,39 @@
           </a:p>
         </p:txBody>
       </p:sp>
-      <p:sp>
-        <p:nvSpPr>
-          <p:cNvPr id="3" name="內容版面配置區 2">
-            <a:extLst>
-              <a:ext uri="{FF2B5EF4-FFF2-40B4-BE49-F238E27FC236}">
-                <a16:creationId xmlns:a16="http://schemas.microsoft.com/office/drawing/2014/main" id="{7C7EA886-967C-E208-1EFE-A96B53ABAF29}"/>
-              </a:ext>
-            </a:extLst>
-          </p:cNvPr>
-          <p:cNvSpPr>
-            <a:spLocks noGrp="1"/>
-          </p:cNvSpPr>
+      <p:pic>
+        <p:nvPicPr>
+          <p:cNvPr id="5" name="內容版面配置區 4">
+            <a:extLst>
+              <a:ext uri="{FF2B5EF4-FFF2-40B4-BE49-F238E27FC236}">
+                <a16:creationId xmlns:a16="http://schemas.microsoft.com/office/drawing/2014/main" id="{1EB3E95E-3999-CAAA-74AE-967DEDE6AA7A}"/>
+              </a:ext>
+            </a:extLst>
+          </p:cNvPr>
+          <p:cNvPicPr>
+            <a:picLocks noGrp="1" noChangeAspect="1"/>
+          </p:cNvPicPr>
           <p:nvPr>
             <p:ph idx="1"/>
           </p:nvPr>
-        </p:nvSpPr>
-        <p:spPr/>
-        <p:txBody>
-          <a:bodyPr/>
-          <a:lstStyle/>
-          <a:p>
-            <a:r>
-              <a:rPr lang="en-US" altLang="zh-TW" dirty="0"/>
-              <a:t>Use the probabilistic projections of features to yield 1D subspaces </a:t>
-            </a:r>
-          </a:p>
-          <a:p>
-            <a:r>
-              <a:rPr lang="en-US" altLang="zh-TW" dirty="0"/>
-              <a:t>Partition the feature space with hyperplanes</a:t>
-            </a:r>
-          </a:p>
-          <a:p>
-            <a:r>
-              <a:rPr lang="en-US" altLang="zh-TW" dirty="0"/>
-              <a:t>Assign the original feature space as the root node and the subspaces as the child nodes</a:t>
-            </a:r>
-          </a:p>
-          <a:p>
-            <a:r>
-              <a:rPr lang="en-US" altLang="zh-TW" dirty="0"/>
-              <a:t>Recursively apply partitioning process to the child nodes</a:t>
-            </a:r>
-          </a:p>
-          <a:p>
-            <a:r>
-              <a:rPr lang="en-US" altLang="zh-TW" dirty="0"/>
-              <a:t>Ensemble learning (SLM forest, SLM boost)</a:t>
-            </a:r>
-          </a:p>
-          <a:p>
-            <a:endParaRPr lang="zh-TW" altLang="en-US" dirty="0"/>
-          </a:p>
-        </p:txBody>
-      </p:sp>
+        </p:nvPicPr>
+        <p:blipFill>
+          <a:blip r:embed="rId2"/>
+          <a:stretch>
+            <a:fillRect/>
+          </a:stretch>
+        </p:blipFill>
+        <p:spPr>
+          <a:xfrm>
+            <a:off x="838200" y="1634210"/>
+            <a:ext cx="7658576" cy="4346217"/>
+          </a:xfrm>
+        </p:spPr>
+      </p:pic>
     </p:spTree>
     <p:extLst>
       <p:ext uri="{BB962C8B-B14F-4D97-AF65-F5344CB8AC3E}">
-        <p14:creationId xmlns:p14="http://schemas.microsoft.com/office/powerpoint/2010/main" val="2997275239"/>
+        <p14:creationId xmlns:p14="http://schemas.microsoft.com/office/powerpoint/2010/main" val="1575011112"/>
       </p:ext>
     </p:extLst>
   </p:cSld>
@@ -4813,7 +5262,7 @@
         <p:spPr>
           <a:xfrm>
             <a:off x="782516" y="2961237"/>
-            <a:ext cx="9302261" cy="707886"/>
+            <a:ext cx="9302261" cy="954107"/>
           </a:xfrm>
           <a:prstGeom prst="rect">
             <a:avLst/>
@@ -4827,10 +5276,10 @@
           <a:lstStyle/>
           <a:p>
             <a:r>
-              <a:rPr lang="en-US" altLang="zh-TW" sz="2000" dirty="0"/>
+              <a:rPr lang="en-US" altLang="zh-TW" sz="2800" dirty="0"/>
               <a:t>The challenge lies in finding good projection vector a so that samples of different classes are better separated.</a:t>
             </a:r>
-            <a:endParaRPr lang="zh-TW" altLang="en-US" sz="2000" dirty="0"/>
+            <a:endParaRPr lang="zh-TW" altLang="en-US" sz="2800" dirty="0"/>
           </a:p>
         </p:txBody>
       </p:sp>
@@ -5275,7 +5724,7 @@
           <a:p>
             <a:r>
               <a:rPr lang="en-US" altLang="zh-TW" dirty="0"/>
-              <a:t>We adopt a probabilistic mechanism to select one or more multiple good projection vectors.</a:t>
+              <a:t>We adopt a probabilistic mechanism to generate one or more multiple good projection vectors.</a:t>
             </a:r>
             <a:endParaRPr lang="zh-TW" altLang="en-US" dirty="0"/>
           </a:p>
@@ -5517,149 +5966,88 @@
           <a:chExt cx="0" cy="0"/>
         </a:xfrm>
       </p:grpSpPr>
+      <p:sp>
+        <p:nvSpPr>
+          <p:cNvPr id="2" name="標題 1">
+            <a:extLst>
+              <a:ext uri="{FF2B5EF4-FFF2-40B4-BE49-F238E27FC236}">
+                <a16:creationId xmlns:a16="http://schemas.microsoft.com/office/drawing/2014/main" id="{1A427174-81E1-1C3C-4CC6-D3099C3F198D}"/>
+              </a:ext>
+            </a:extLst>
+          </p:cNvPr>
+          <p:cNvSpPr>
+            <a:spLocks noGrp="1"/>
+          </p:cNvSpPr>
+          <p:nvPr>
+            <p:ph type="title"/>
+          </p:nvPr>
+        </p:nvSpPr>
+        <p:spPr/>
+        <p:txBody>
+          <a:bodyPr/>
+          <a:lstStyle/>
+          <a:p>
+            <a:r>
+              <a:rPr lang="en-US" altLang="zh-TW" dirty="0"/>
+              <a:t>Probabilistic Selection</a:t>
+            </a:r>
+            <a:endParaRPr lang="zh-TW" altLang="en-US" dirty="0"/>
+          </a:p>
+        </p:txBody>
+      </p:sp>
+      <p:sp>
+        <p:nvSpPr>
+          <p:cNvPr id="3" name="內容版面配置區 2">
+            <a:extLst>
+              <a:ext uri="{FF2B5EF4-FFF2-40B4-BE49-F238E27FC236}">
+                <a16:creationId xmlns:a16="http://schemas.microsoft.com/office/drawing/2014/main" id="{04EE035C-1142-08D7-9541-5AFAE5767F31}"/>
+              </a:ext>
+            </a:extLst>
+          </p:cNvPr>
+          <p:cNvSpPr>
+            <a:spLocks noGrp="1"/>
+          </p:cNvSpPr>
+          <p:nvPr>
+            <p:ph idx="1"/>
+          </p:nvPr>
+        </p:nvSpPr>
+        <p:spPr/>
+        <p:txBody>
+          <a:bodyPr/>
+          <a:lstStyle/>
+          <a:p>
+            <a:r>
+              <a:rPr lang="en-US" altLang="zh-TW" dirty="0"/>
+              <a:t>We use 3 hyper-parameters to control the procedure.</a:t>
+            </a:r>
+            <a:endParaRPr lang="zh-TW" altLang="en-US" dirty="0"/>
+          </a:p>
+        </p:txBody>
+      </p:sp>
       <p:pic>
         <p:nvPicPr>
-          <p:cNvPr id="5" name="內容版面配置區 4">
-            <a:extLst>
-              <a:ext uri="{FF2B5EF4-FFF2-40B4-BE49-F238E27FC236}">
-                <a16:creationId xmlns:a16="http://schemas.microsoft.com/office/drawing/2014/main" id="{1BD067F4-CA04-A04E-89EB-C1E611D49973}"/>
+          <p:cNvPr id="4" name="內容版面配置區 4">
+            <a:extLst>
+              <a:ext uri="{FF2B5EF4-FFF2-40B4-BE49-F238E27FC236}">
+                <a16:creationId xmlns:a16="http://schemas.microsoft.com/office/drawing/2014/main" id="{7085D819-DAB7-65EB-D668-78C9FE821955}"/>
               </a:ext>
             </a:extLst>
           </p:cNvPr>
           <p:cNvPicPr>
-            <a:picLocks noGrp="1" noChangeAspect="1"/>
+            <a:picLocks noChangeAspect="1"/>
           </p:cNvPicPr>
-          <p:nvPr>
-            <p:ph idx="1"/>
-          </p:nvPr>
+          <p:nvPr/>
         </p:nvPicPr>
         <p:blipFill>
-          <a:blip r:embed="rId3"/>
+          <a:blip r:embed="rId2"/>
           <a:stretch>
             <a:fillRect/>
           </a:stretch>
         </p:blipFill>
         <p:spPr>
           <a:xfrm>
-            <a:off x="552165" y="763855"/>
-            <a:ext cx="5543835" cy="1917799"/>
-          </a:xfrm>
-        </p:spPr>
-      </p:pic>
-      <p:pic>
-        <p:nvPicPr>
-          <p:cNvPr id="7" name="圖片 6">
-            <a:extLst>
-              <a:ext uri="{FF2B5EF4-FFF2-40B4-BE49-F238E27FC236}">
-                <a16:creationId xmlns:a16="http://schemas.microsoft.com/office/drawing/2014/main" id="{C4BF4E39-C700-B92C-C0C9-CA83D0E3E597}"/>
-              </a:ext>
-            </a:extLst>
-          </p:cNvPr>
-          <p:cNvPicPr>
-            <a:picLocks noChangeAspect="1"/>
-          </p:cNvPicPr>
-          <p:nvPr/>
-        </p:nvPicPr>
-        <p:blipFill>
-          <a:blip r:embed="rId4"/>
-          <a:stretch>
-            <a:fillRect/>
-          </a:stretch>
-        </p:blipFill>
-        <p:spPr>
-          <a:xfrm>
-            <a:off x="552165" y="2681654"/>
-            <a:ext cx="5645440" cy="3073558"/>
-          </a:xfrm>
-          <a:prstGeom prst="rect">
-            <a:avLst/>
-          </a:prstGeom>
-        </p:spPr>
-      </p:pic>
-      <p:pic>
-        <p:nvPicPr>
-          <p:cNvPr id="9" name="圖片 8">
-            <a:extLst>
-              <a:ext uri="{FF2B5EF4-FFF2-40B4-BE49-F238E27FC236}">
-                <a16:creationId xmlns:a16="http://schemas.microsoft.com/office/drawing/2014/main" id="{82597AD1-AC87-D6CE-15C6-4A856E0F09CA}"/>
-              </a:ext>
-            </a:extLst>
-          </p:cNvPr>
-          <p:cNvPicPr>
-            <a:picLocks noChangeAspect="1"/>
-          </p:cNvPicPr>
-          <p:nvPr/>
-        </p:nvPicPr>
-        <p:blipFill>
-          <a:blip r:embed="rId5"/>
-          <a:stretch>
-            <a:fillRect/>
-          </a:stretch>
-        </p:blipFill>
-        <p:spPr>
-          <a:xfrm>
-            <a:off x="4936795" y="5485166"/>
-            <a:ext cx="1529662" cy="456118"/>
-          </a:xfrm>
-          <a:prstGeom prst="rect">
-            <a:avLst/>
-          </a:prstGeom>
-        </p:spPr>
-      </p:pic>
-      <p:pic>
-        <p:nvPicPr>
-          <p:cNvPr id="11" name="圖片 10">
-            <a:extLst>
-              <a:ext uri="{FF2B5EF4-FFF2-40B4-BE49-F238E27FC236}">
-                <a16:creationId xmlns:a16="http://schemas.microsoft.com/office/drawing/2014/main" id="{F977F7FA-9EAD-BBFF-CE97-A42DC4529D30}"/>
-              </a:ext>
-            </a:extLst>
-          </p:cNvPr>
-          <p:cNvPicPr>
-            <a:picLocks noChangeAspect="1"/>
-          </p:cNvPicPr>
-          <p:nvPr/>
-        </p:nvPicPr>
-        <p:blipFill>
-          <a:blip r:embed="rId6"/>
-          <a:stretch>
-            <a:fillRect/>
-          </a:stretch>
-        </p:blipFill>
-        <p:spPr>
-          <a:xfrm>
-            <a:off x="6096000" y="636848"/>
-            <a:ext cx="5467631" cy="1085906"/>
-          </a:xfrm>
-          <a:prstGeom prst="rect">
-            <a:avLst/>
-          </a:prstGeom>
-        </p:spPr>
-      </p:pic>
-      <p:pic>
-        <p:nvPicPr>
-          <p:cNvPr id="17" name="圖片 16">
-            <a:extLst>
-              <a:ext uri="{FF2B5EF4-FFF2-40B4-BE49-F238E27FC236}">
-                <a16:creationId xmlns:a16="http://schemas.microsoft.com/office/drawing/2014/main" id="{A55AA5A7-C2A3-183D-9A00-86803637821F}"/>
-              </a:ext>
-            </a:extLst>
-          </p:cNvPr>
-          <p:cNvPicPr>
-            <a:picLocks noChangeAspect="1"/>
-          </p:cNvPicPr>
-          <p:nvPr/>
-        </p:nvPicPr>
-        <p:blipFill>
-          <a:blip r:embed="rId7"/>
-          <a:stretch>
-            <a:fillRect/>
-          </a:stretch>
-        </p:blipFill>
-        <p:spPr>
-          <a:xfrm>
-            <a:off x="6486989" y="2499623"/>
-            <a:ext cx="4781796" cy="3054507"/>
+            <a:off x="838200" y="2470100"/>
+            <a:ext cx="8377231" cy="2897966"/>
           </a:xfrm>
           <a:prstGeom prst="rect">
             <a:avLst/>
@@ -5669,7 +6057,7 @@
     </p:spTree>
     <p:extLst>
       <p:ext uri="{BB962C8B-B14F-4D97-AF65-F5344CB8AC3E}">
-        <p14:creationId xmlns:p14="http://schemas.microsoft.com/office/powerpoint/2010/main" val="62230890"/>
+        <p14:creationId xmlns:p14="http://schemas.microsoft.com/office/powerpoint/2010/main" val="1203141678"/>
       </p:ext>
     </p:extLst>
   </p:cSld>
